--- a/HomePage_Wireframe.pptx
+++ b/HomePage_Wireframe.pptx
@@ -295,7 +295,7 @@
                 </a:solidFill>
               </a:rPr>
               <a:pPr/>
-              <a:t>2016/4/9</a:t>
+              <a:t>2016/4/13</a:t>
             </a:fld>
             <a:endParaRPr lang="zh-TW" altLang="en-US">
               <a:solidFill>
@@ -497,7 +497,7 @@
                 </a:solidFill>
               </a:rPr>
               <a:pPr/>
-              <a:t>2016/4/9</a:t>
+              <a:t>2016/4/13</a:t>
             </a:fld>
             <a:endParaRPr lang="zh-TW" altLang="en-US">
               <a:solidFill>
@@ -709,7 +709,7 @@
                 </a:solidFill>
               </a:rPr>
               <a:pPr/>
-              <a:t>2016/4/9</a:t>
+              <a:t>2016/4/13</a:t>
             </a:fld>
             <a:endParaRPr lang="zh-TW" altLang="en-US">
               <a:solidFill>
@@ -911,7 +911,7 @@
                 </a:solidFill>
               </a:rPr>
               <a:pPr/>
-              <a:t>2016/4/9</a:t>
+              <a:t>2016/4/13</a:t>
             </a:fld>
             <a:endParaRPr lang="zh-TW" altLang="en-US">
               <a:solidFill>
@@ -1189,7 +1189,7 @@
                 </a:solidFill>
               </a:rPr>
               <a:pPr/>
-              <a:t>2016/4/9</a:t>
+              <a:t>2016/4/13</a:t>
             </a:fld>
             <a:endParaRPr lang="zh-TW" altLang="en-US">
               <a:solidFill>
@@ -1509,7 +1509,7 @@
                 </a:solidFill>
               </a:rPr>
               <a:pPr/>
-              <a:t>2016/4/9</a:t>
+              <a:t>2016/4/13</a:t>
             </a:fld>
             <a:endParaRPr lang="zh-TW" altLang="en-US">
               <a:solidFill>
@@ -1963,7 +1963,7 @@
                 </a:solidFill>
               </a:rPr>
               <a:pPr/>
-              <a:t>2016/4/9</a:t>
+              <a:t>2016/4/13</a:t>
             </a:fld>
             <a:endParaRPr lang="zh-TW" altLang="en-US">
               <a:solidFill>
@@ -2113,7 +2113,7 @@
                 </a:solidFill>
               </a:rPr>
               <a:pPr/>
-              <a:t>2016/4/9</a:t>
+              <a:t>2016/4/13</a:t>
             </a:fld>
             <a:endParaRPr lang="zh-TW" altLang="en-US">
               <a:solidFill>
@@ -2240,7 +2240,7 @@
                 </a:solidFill>
               </a:rPr>
               <a:pPr/>
-              <a:t>2016/4/9</a:t>
+              <a:t>2016/4/13</a:t>
             </a:fld>
             <a:endParaRPr lang="zh-TW" altLang="en-US">
               <a:solidFill>
@@ -2549,7 +2549,7 @@
                 </a:solidFill>
               </a:rPr>
               <a:pPr/>
-              <a:t>2016/4/9</a:t>
+              <a:t>2016/4/13</a:t>
             </a:fld>
             <a:endParaRPr lang="zh-TW" altLang="en-US">
               <a:solidFill>
@@ -2834,7 +2834,7 @@
                 </a:solidFill>
               </a:rPr>
               <a:pPr/>
-              <a:t>2016/4/9</a:t>
+              <a:t>2016/4/13</a:t>
             </a:fld>
             <a:endParaRPr lang="zh-TW" altLang="en-US">
               <a:solidFill>
@@ -3079,7 +3079,7 @@
                 </a:solidFill>
               </a:rPr>
               <a:pPr/>
-              <a:t>2016/4/9</a:t>
+              <a:t>2016/4/13</a:t>
             </a:fld>
             <a:endParaRPr lang="zh-TW" altLang="en-US">
               <a:solidFill>

--- a/HomePage_Wireframe.pptx
+++ b/HomePage_Wireframe.pptx
@@ -295,7 +295,7 @@
                 </a:solidFill>
               </a:rPr>
               <a:pPr/>
-              <a:t>2016/4/13</a:t>
+              <a:t>2016/4/20</a:t>
             </a:fld>
             <a:endParaRPr lang="zh-TW" altLang="en-US">
               <a:solidFill>
@@ -497,7 +497,7 @@
                 </a:solidFill>
               </a:rPr>
               <a:pPr/>
-              <a:t>2016/4/13</a:t>
+              <a:t>2016/4/20</a:t>
             </a:fld>
             <a:endParaRPr lang="zh-TW" altLang="en-US">
               <a:solidFill>
@@ -709,7 +709,7 @@
                 </a:solidFill>
               </a:rPr>
               <a:pPr/>
-              <a:t>2016/4/13</a:t>
+              <a:t>2016/4/20</a:t>
             </a:fld>
             <a:endParaRPr lang="zh-TW" altLang="en-US">
               <a:solidFill>
@@ -911,7 +911,7 @@
                 </a:solidFill>
               </a:rPr>
               <a:pPr/>
-              <a:t>2016/4/13</a:t>
+              <a:t>2016/4/20</a:t>
             </a:fld>
             <a:endParaRPr lang="zh-TW" altLang="en-US">
               <a:solidFill>
@@ -1189,7 +1189,7 @@
                 </a:solidFill>
               </a:rPr>
               <a:pPr/>
-              <a:t>2016/4/13</a:t>
+              <a:t>2016/4/20</a:t>
             </a:fld>
             <a:endParaRPr lang="zh-TW" altLang="en-US">
               <a:solidFill>
@@ -1509,7 +1509,7 @@
                 </a:solidFill>
               </a:rPr>
               <a:pPr/>
-              <a:t>2016/4/13</a:t>
+              <a:t>2016/4/20</a:t>
             </a:fld>
             <a:endParaRPr lang="zh-TW" altLang="en-US">
               <a:solidFill>
@@ -1963,7 +1963,7 @@
                 </a:solidFill>
               </a:rPr>
               <a:pPr/>
-              <a:t>2016/4/13</a:t>
+              <a:t>2016/4/20</a:t>
             </a:fld>
             <a:endParaRPr lang="zh-TW" altLang="en-US">
               <a:solidFill>
@@ -2113,7 +2113,7 @@
                 </a:solidFill>
               </a:rPr>
               <a:pPr/>
-              <a:t>2016/4/13</a:t>
+              <a:t>2016/4/20</a:t>
             </a:fld>
             <a:endParaRPr lang="zh-TW" altLang="en-US">
               <a:solidFill>
@@ -2240,7 +2240,7 @@
                 </a:solidFill>
               </a:rPr>
               <a:pPr/>
-              <a:t>2016/4/13</a:t>
+              <a:t>2016/4/20</a:t>
             </a:fld>
             <a:endParaRPr lang="zh-TW" altLang="en-US">
               <a:solidFill>
@@ -2549,7 +2549,7 @@
                 </a:solidFill>
               </a:rPr>
               <a:pPr/>
-              <a:t>2016/4/13</a:t>
+              <a:t>2016/4/20</a:t>
             </a:fld>
             <a:endParaRPr lang="zh-TW" altLang="en-US">
               <a:solidFill>
@@ -2834,7 +2834,7 @@
                 </a:solidFill>
               </a:rPr>
               <a:pPr/>
-              <a:t>2016/4/13</a:t>
+              <a:t>2016/4/20</a:t>
             </a:fld>
             <a:endParaRPr lang="zh-TW" altLang="en-US">
               <a:solidFill>
@@ -3079,7 +3079,7 @@
                 </a:solidFill>
               </a:rPr>
               <a:pPr/>
-              <a:t>2016/4/13</a:t>
+              <a:t>2016/4/20</a:t>
             </a:fld>
             <a:endParaRPr lang="zh-TW" altLang="en-US">
               <a:solidFill>
@@ -4276,7 +4276,7 @@
         <p:grpSpPr>
           <a:xfrm>
             <a:off x="-48713" y="2852749"/>
-            <a:ext cx="12243888" cy="7252917"/>
+            <a:ext cx="12243888" cy="5813339"/>
             <a:chOff x="-7319688" y="1057027"/>
             <a:chExt cx="4176464" cy="1944216"/>
           </a:xfrm>
@@ -4400,7 +4400,7 @@
         </p:nvGrpSpPr>
         <p:grpSpPr>
           <a:xfrm>
-            <a:off x="341782" y="10896048"/>
+            <a:off x="341780" y="9661497"/>
             <a:ext cx="11414194" cy="1348299"/>
             <a:chOff x="441353" y="8437847"/>
             <a:chExt cx="14739496" cy="1044116"/>
@@ -4915,7 +4915,7 @@
         </p:nvGrpSpPr>
         <p:grpSpPr>
           <a:xfrm>
-            <a:off x="366133" y="13174208"/>
+            <a:off x="341780" y="11836842"/>
             <a:ext cx="11414194" cy="1348299"/>
             <a:chOff x="441353" y="8437847"/>
             <a:chExt cx="14739496" cy="1044116"/>
@@ -5424,18 +5424,24 @@
       </p:grpSp>
       <p:sp>
         <p:nvSpPr>
-          <p:cNvPr id="4" name="矩形 3"/>
+          <p:cNvPr id="2" name="矩形 1"/>
           <p:cNvSpPr/>
           <p:nvPr/>
         </p:nvSpPr>
         <p:spPr>
           <a:xfrm>
-            <a:off x="-1107465" y="10105666"/>
-            <a:ext cx="1047081" cy="5642334"/>
+            <a:off x="-42639" y="14000400"/>
+            <a:ext cx="12243887" cy="1747600"/>
           </a:xfrm>
           <a:prstGeom prst="rect">
             <a:avLst/>
           </a:prstGeom>
+          <a:noFill/>
+          <a:ln>
+            <a:solidFill>
+              <a:schemeClr val="tx1"/>
+            </a:solidFill>
+          </a:ln>
         </p:spPr>
         <p:style>
           <a:lnRef idx="2">
